--- a/docs/Presentation4.pptx
+++ b/docs/Presentation4.pptx
@@ -108,6 +108,11 @@
       </a:defRPr>
     </a:lvl9pPr>
   </p:defaultTextStyle>
+  <p:extLst>
+    <p:ext uri="{EFAFB233-063F-42B5-8137-9DF3F51BA10A}">
+      <p15:sldGuideLst xmlns:p15="http://schemas.microsoft.com/office/powerpoint/2012/main"/>
+    </p:ext>
+  </p:extLst>
 </p:presentation>
 </file>
 
@@ -258,7 +263,7 @@
           <a:p>
             <a:fld id="{2C9C59AF-DCF2-4FC6-90E1-11E7F46359B4}" type="datetimeFigureOut">
               <a:rPr lang="ko-KR" altLang="en-US" smtClean="0"/>
-              <a:t>2021-01-29</a:t>
+              <a:t>2021-02-01</a:t>
             </a:fld>
             <a:endParaRPr lang="ko-KR" altLang="en-US"/>
           </a:p>
@@ -456,7 +461,7 @@
           <a:p>
             <a:fld id="{2C9C59AF-DCF2-4FC6-90E1-11E7F46359B4}" type="datetimeFigureOut">
               <a:rPr lang="ko-KR" altLang="en-US" smtClean="0"/>
-              <a:t>2021-01-29</a:t>
+              <a:t>2021-02-01</a:t>
             </a:fld>
             <a:endParaRPr lang="ko-KR" altLang="en-US"/>
           </a:p>
@@ -664,7 +669,7 @@
           <a:p>
             <a:fld id="{2C9C59AF-DCF2-4FC6-90E1-11E7F46359B4}" type="datetimeFigureOut">
               <a:rPr lang="ko-KR" altLang="en-US" smtClean="0"/>
-              <a:t>2021-01-29</a:t>
+              <a:t>2021-02-01</a:t>
             </a:fld>
             <a:endParaRPr lang="ko-KR" altLang="en-US"/>
           </a:p>
@@ -862,7 +867,7 @@
           <a:p>
             <a:fld id="{2C9C59AF-DCF2-4FC6-90E1-11E7F46359B4}" type="datetimeFigureOut">
               <a:rPr lang="ko-KR" altLang="en-US" smtClean="0"/>
-              <a:t>2021-01-29</a:t>
+              <a:t>2021-02-01</a:t>
             </a:fld>
             <a:endParaRPr lang="ko-KR" altLang="en-US"/>
           </a:p>
@@ -1137,7 +1142,7 @@
           <a:p>
             <a:fld id="{2C9C59AF-DCF2-4FC6-90E1-11E7F46359B4}" type="datetimeFigureOut">
               <a:rPr lang="ko-KR" altLang="en-US" smtClean="0"/>
-              <a:t>2021-01-29</a:t>
+              <a:t>2021-02-01</a:t>
             </a:fld>
             <a:endParaRPr lang="ko-KR" altLang="en-US"/>
           </a:p>
@@ -1402,7 +1407,7 @@
           <a:p>
             <a:fld id="{2C9C59AF-DCF2-4FC6-90E1-11E7F46359B4}" type="datetimeFigureOut">
               <a:rPr lang="ko-KR" altLang="en-US" smtClean="0"/>
-              <a:t>2021-01-29</a:t>
+              <a:t>2021-02-01</a:t>
             </a:fld>
             <a:endParaRPr lang="ko-KR" altLang="en-US"/>
           </a:p>
@@ -1814,7 +1819,7 @@
           <a:p>
             <a:fld id="{2C9C59AF-DCF2-4FC6-90E1-11E7F46359B4}" type="datetimeFigureOut">
               <a:rPr lang="ko-KR" altLang="en-US" smtClean="0"/>
-              <a:t>2021-01-29</a:t>
+              <a:t>2021-02-01</a:t>
             </a:fld>
             <a:endParaRPr lang="ko-KR" altLang="en-US"/>
           </a:p>
@@ -1955,7 +1960,7 @@
           <a:p>
             <a:fld id="{2C9C59AF-DCF2-4FC6-90E1-11E7F46359B4}" type="datetimeFigureOut">
               <a:rPr lang="ko-KR" altLang="en-US" smtClean="0"/>
-              <a:t>2021-01-29</a:t>
+              <a:t>2021-02-01</a:t>
             </a:fld>
             <a:endParaRPr lang="ko-KR" altLang="en-US"/>
           </a:p>
@@ -2068,7 +2073,7 @@
           <a:p>
             <a:fld id="{2C9C59AF-DCF2-4FC6-90E1-11E7F46359B4}" type="datetimeFigureOut">
               <a:rPr lang="ko-KR" altLang="en-US" smtClean="0"/>
-              <a:t>2021-01-29</a:t>
+              <a:t>2021-02-01</a:t>
             </a:fld>
             <a:endParaRPr lang="ko-KR" altLang="en-US"/>
           </a:p>
@@ -2379,7 +2384,7 @@
           <a:p>
             <a:fld id="{2C9C59AF-DCF2-4FC6-90E1-11E7F46359B4}" type="datetimeFigureOut">
               <a:rPr lang="ko-KR" altLang="en-US" smtClean="0"/>
-              <a:t>2021-01-29</a:t>
+              <a:t>2021-02-01</a:t>
             </a:fld>
             <a:endParaRPr lang="ko-KR" altLang="en-US"/>
           </a:p>
@@ -2667,7 +2672,7 @@
           <a:p>
             <a:fld id="{2C9C59AF-DCF2-4FC6-90E1-11E7F46359B4}" type="datetimeFigureOut">
               <a:rPr lang="ko-KR" altLang="en-US" smtClean="0"/>
-              <a:t>2021-01-29</a:t>
+              <a:t>2021-02-01</a:t>
             </a:fld>
             <a:endParaRPr lang="ko-KR" altLang="en-US"/>
           </a:p>
@@ -2908,7 +2913,7 @@
           <a:p>
             <a:fld id="{2C9C59AF-DCF2-4FC6-90E1-11E7F46359B4}" type="datetimeFigureOut">
               <a:rPr lang="ko-KR" altLang="en-US" smtClean="0"/>
-              <a:t>2021-01-29</a:t>
+              <a:t>2021-02-01</a:t>
             </a:fld>
             <a:endParaRPr lang="ko-KR" altLang="en-US"/>
           </a:p>
@@ -5133,8 +5138,8 @@
           </a:p>
         </p:txBody>
       </p:sp>
-      <mc:AlternateContent xmlns:mc="http://schemas.openxmlformats.org/markup-compatibility/2006">
-        <mc:Choice xmlns:a14="http://schemas.microsoft.com/office/drawing/2010/main" Requires="a14">
+      <mc:AlternateContent xmlns:mc="http://schemas.openxmlformats.org/markup-compatibility/2006" xmlns:a14="http://schemas.microsoft.com/office/drawing/2010/main">
+        <mc:Choice Requires="a14">
           <p:sp>
             <p:nvSpPr>
               <p:cNvPr id="8" name="TextBox 7">
@@ -5217,7 +5222,7 @@
             </p:txBody>
           </p:sp>
         </mc:Choice>
-        <mc:Fallback>
+        <mc:Fallback xmlns="">
           <p:sp>
             <p:nvSpPr>
               <p:cNvPr id="8" name="TextBox 7">
@@ -5262,8 +5267,8 @@
           </p:sp>
         </mc:Fallback>
       </mc:AlternateContent>
-      <mc:AlternateContent xmlns:mc="http://schemas.openxmlformats.org/markup-compatibility/2006">
-        <mc:Choice xmlns:a14="http://schemas.microsoft.com/office/drawing/2010/main" Requires="a14">
+      <mc:AlternateContent xmlns:mc="http://schemas.openxmlformats.org/markup-compatibility/2006" xmlns:a14="http://schemas.microsoft.com/office/drawing/2010/main">
+        <mc:Choice Requires="a14">
           <p:sp>
             <p:nvSpPr>
               <p:cNvPr id="9" name="TextBox 8">
@@ -5313,7 +5318,7 @@
             </p:txBody>
           </p:sp>
         </mc:Choice>
-        <mc:Fallback>
+        <mc:Fallback xmlns="">
           <p:sp>
             <p:nvSpPr>
               <p:cNvPr id="9" name="TextBox 8">
@@ -5718,8 +5723,8 @@
           </a:fontRef>
         </p:style>
       </p:cxnSp>
-      <mc:AlternateContent xmlns:mc="http://schemas.openxmlformats.org/markup-compatibility/2006">
-        <mc:Choice xmlns:a14="http://schemas.microsoft.com/office/drawing/2010/main" Requires="a14">
+      <mc:AlternateContent xmlns:mc="http://schemas.openxmlformats.org/markup-compatibility/2006" xmlns:a14="http://schemas.microsoft.com/office/drawing/2010/main">
+        <mc:Choice Requires="a14">
           <p:sp>
             <p:nvSpPr>
               <p:cNvPr id="17" name="사각형: 둥근 모서리 16">
@@ -5799,7 +5804,7 @@
             </p:txBody>
           </p:sp>
         </mc:Choice>
-        <mc:Fallback>
+        <mc:Fallback xmlns="">
           <p:sp>
             <p:nvSpPr>
               <p:cNvPr id="17" name="사각형: 둥근 모서리 16">
@@ -5892,8 +5897,8 @@
           </a:fontRef>
         </p:style>
       </p:cxnSp>
-      <mc:AlternateContent xmlns:mc="http://schemas.openxmlformats.org/markup-compatibility/2006">
-        <mc:Choice xmlns:a14="http://schemas.microsoft.com/office/drawing/2010/main" Requires="a14">
+      <mc:AlternateContent xmlns:mc="http://schemas.openxmlformats.org/markup-compatibility/2006" xmlns:a14="http://schemas.microsoft.com/office/drawing/2010/main">
+        <mc:Choice Requires="a14">
           <p:sp>
             <p:nvSpPr>
               <p:cNvPr id="19" name="사각형: 둥근 모서리 18">
@@ -5973,7 +5978,7 @@
             </p:txBody>
           </p:sp>
         </mc:Choice>
-        <mc:Fallback>
+        <mc:Fallback xmlns="">
           <p:sp>
             <p:nvSpPr>
               <p:cNvPr id="19" name="사각형: 둥근 모서리 18">
@@ -6765,7 +6770,7 @@
         <p:spPr>
           <a:xfrm>
             <a:off x="518077" y="492567"/>
-            <a:ext cx="3421918" cy="1446550"/>
+            <a:ext cx="2804390" cy="830997"/>
           </a:xfrm>
           <a:prstGeom prst="rect">
             <a:avLst/>
@@ -6779,7 +6784,7 @@
           <a:lstStyle/>
           <a:p>
             <a:r>
-              <a:rPr lang="en-US" altLang="ko-KR" sz="4400" b="1" i="0" dirty="0">
+              <a:rPr lang="en-US" altLang="ko-KR" sz="2400" b="1" i="0" dirty="0">
                 <a:solidFill>
                   <a:srgbClr val="FF0000"/>
                 </a:solidFill>
@@ -6790,7 +6795,7 @@
             </a:r>
           </a:p>
           <a:p>
-            <a:endParaRPr lang="ko-KR" altLang="en-US" sz="4400" b="1" dirty="0">
+            <a:endParaRPr lang="ko-KR" altLang="en-US" sz="2400" b="1" dirty="0">
               <a:solidFill>
                 <a:srgbClr val="FF0000"/>
               </a:solidFill>
@@ -6917,7 +6922,7 @@
         </p:nvSpPr>
         <p:spPr>
           <a:xfrm>
-            <a:off x="8858016" y="5190586"/>
+            <a:off x="8014933" y="5588004"/>
             <a:ext cx="1860153" cy="1047632"/>
           </a:xfrm>
           <a:prstGeom prst="rect">
@@ -6997,7 +7002,7 @@
         </p:nvSpPr>
         <p:spPr>
           <a:xfrm>
-            <a:off x="8858017" y="3209567"/>
+            <a:off x="8014934" y="3606985"/>
             <a:ext cx="1860153" cy="1196219"/>
           </a:xfrm>
           <a:prstGeom prst="rect">
@@ -7077,7 +7082,7 @@
         </p:nvSpPr>
         <p:spPr>
           <a:xfrm>
-            <a:off x="8860470" y="1440025"/>
+            <a:off x="8017387" y="1837443"/>
             <a:ext cx="1860153" cy="1047632"/>
           </a:xfrm>
           <a:prstGeom prst="rect">
@@ -7161,7 +7166,7 @@
         </p:nvCxnSpPr>
         <p:spPr>
           <a:xfrm rot="5400000" flipH="1" flipV="1">
-            <a:off x="9395693" y="4798186"/>
+            <a:off x="8552610" y="5195604"/>
             <a:ext cx="784800" cy="1"/>
           </a:xfrm>
           <a:prstGeom prst="curvedConnector3">
@@ -7209,7 +7214,7 @@
         </p:nvCxnSpPr>
         <p:spPr>
           <a:xfrm rot="5400000" flipH="1" flipV="1">
-            <a:off x="9428365" y="2847386"/>
+            <a:off x="8585282" y="3244804"/>
             <a:ext cx="721910" cy="2453"/>
           </a:xfrm>
           <a:prstGeom prst="curvedConnector3">
